--- a/Document/Presentation/RTMweb_201303.pptx
+++ b/Document/Presentation/RTMweb_201303.pptx
@@ -3127,7 +3127,7 @@
             </a:pPr>
             <a:r>
               <a:rPr lang="ja"/>
-              <a:t>タイヤ付きPC（またはスマフォ）を動かす</a:t>
+              <a:t>ロボットを物理的に動かす</a:t>
             </a:r>
           </a:p>
           <a:p>
